--- a/C-CSVParser/doc/LayoutDiagram.pptx
+++ b/C-CSVParser/doc/LayoutDiagram.pptx
@@ -4286,7 +4286,7 @@
         </p:nvSpPr>
         <p:spPr>
           <a:xfrm>
-            <a:off x="1006851" y="950232"/>
+            <a:off x="1212591" y="950232"/>
             <a:ext cx="1067517" cy="276999"/>
           </a:xfrm>
           <a:prstGeom prst="rect">
@@ -4301,9 +4301,10 @@
           <a:lstStyle/>
           <a:p>
             <a:r>
-              <a:rPr lang="en-US" sz="1200" i="1" dirty="0"/>
-              <a:t>row_list_head</a:t>
-            </a:r>
+              <a:rPr lang="en-US" sz="1200" i="1" dirty="0" err="1"/>
+              <a:t>list_head</a:t>
+            </a:r>
+            <a:endParaRPr lang="en-US" sz="1200" i="1" dirty="0"/>
           </a:p>
         </p:txBody>
       </p:sp>
@@ -4321,7 +4322,7 @@
         </p:nvSpPr>
         <p:spPr>
           <a:xfrm>
-            <a:off x="1006851" y="2450645"/>
+            <a:off x="1212591" y="2450645"/>
             <a:ext cx="1067517" cy="276999"/>
           </a:xfrm>
           <a:prstGeom prst="rect">
@@ -4336,9 +4337,10 @@
           <a:lstStyle/>
           <a:p>
             <a:r>
-              <a:rPr lang="en-US" sz="1200" i="1" dirty="0"/>
-              <a:t>row_list_tail</a:t>
-            </a:r>
+              <a:rPr lang="en-US" sz="1200" i="1" dirty="0" err="1"/>
+              <a:t>list_tail</a:t>
+            </a:r>
+            <a:endParaRPr lang="en-US" sz="1200" i="1" dirty="0"/>
           </a:p>
         </p:txBody>
       </p:sp>
@@ -4420,7 +4422,7 @@
           <a:p>
             <a:r>
               <a:rPr lang="en-US" sz="1200" i="1" dirty="0"/>
-              <a:t>row_count</a:t>
+              <a:t>    length</a:t>
             </a:r>
           </a:p>
         </p:txBody>
@@ -4523,7 +4525,7 @@
             <a:p>
               <a:r>
                 <a:rPr lang="en-US" sz="1200" i="1" dirty="0"/>
-                <a:t>cell_count</a:t>
+                <a:t>    length</a:t>
               </a:r>
             </a:p>
           </p:txBody>
@@ -4627,7 +4629,7 @@
             <a:p>
               <a:r>
                 <a:rPr lang="en-US" sz="1200" i="1" dirty="0"/>
-                <a:t>parent_table</a:t>
+                <a:t>       parent</a:t>
               </a:r>
             </a:p>
           </p:txBody>
@@ -4855,8 +4857,8 @@
         </p:nvSpPr>
         <p:spPr>
           <a:xfrm>
-            <a:off x="3345025" y="3474828"/>
-            <a:ext cx="723393" cy="461665"/>
+            <a:off x="3345025" y="3532292"/>
+            <a:ext cx="869150" cy="276999"/>
           </a:xfrm>
           <a:prstGeom prst="rect">
             <a:avLst/>
@@ -4870,9 +4872,10 @@
           <a:lstStyle/>
           <a:p>
             <a:r>
-              <a:rPr lang="en-US" sz="1200" i="1" dirty="0"/>
-              <a:t>cell_list_head</a:t>
-            </a:r>
+              <a:rPr lang="en-US" sz="1200" i="1" dirty="0" err="1"/>
+              <a:t>list_head</a:t>
+            </a:r>
+            <a:endParaRPr lang="en-US" sz="1200" i="1" dirty="0"/>
           </a:p>
         </p:txBody>
       </p:sp>
@@ -4943,8 +4946,8 @@
         </p:nvSpPr>
         <p:spPr>
           <a:xfrm>
-            <a:off x="5756284" y="3474828"/>
-            <a:ext cx="723393" cy="461665"/>
+            <a:off x="5814104" y="3535428"/>
+            <a:ext cx="723393" cy="276999"/>
           </a:xfrm>
           <a:prstGeom prst="rect">
             <a:avLst/>
@@ -4958,9 +4961,10 @@
           <a:lstStyle/>
           <a:p>
             <a:r>
-              <a:rPr lang="en-US" sz="1200" i="1" dirty="0"/>
-              <a:t>cell_list_tail</a:t>
-            </a:r>
+              <a:rPr lang="en-US" sz="1200" i="1" dirty="0" err="1"/>
+              <a:t>list_tail</a:t>
+            </a:r>
+            <a:endParaRPr lang="en-US" sz="1200" i="1" dirty="0"/>
           </a:p>
         </p:txBody>
       </p:sp>
@@ -5600,7 +5604,7 @@
             <a:p>
               <a:r>
                 <a:rPr lang="en-US" sz="1200" i="1" dirty="0"/>
-                <a:t>parent_row</a:t>
+                <a:t>      parent</a:t>
               </a:r>
             </a:p>
           </p:txBody>

--- a/C-CSVParser/doc/LayoutDiagram.pptx
+++ b/C-CSVParser/doc/LayoutDiagram.pptx
@@ -104,6 +104,11 @@
       </a:defRPr>
     </a:lvl9pPr>
   </p:defaultTextStyle>
+  <p:extLst>
+    <p:ext uri="{EFAFB233-063F-42B5-8137-9DF3F51BA10A}">
+      <p15:sldGuideLst xmlns:p15="http://schemas.microsoft.com/office/powerpoint/2012/main"/>
+    </p:ext>
+  </p:extLst>
 </p:presentation>
 </file>
 
@@ -254,7 +259,7 @@
           <a:p>
             <a:fld id="{EF79C8B7-B064-43AA-B85A-00C4D49D3391}" type="datetimeFigureOut">
               <a:rPr lang="en-US" smtClean="0"/>
-              <a:t>8/2/2022</a:t>
+              <a:t>8/7/2022</a:t>
             </a:fld>
             <a:endParaRPr lang="en-US" dirty="0"/>
           </a:p>
@@ -452,7 +457,7 @@
           <a:p>
             <a:fld id="{EF79C8B7-B064-43AA-B85A-00C4D49D3391}" type="datetimeFigureOut">
               <a:rPr lang="en-US" smtClean="0"/>
-              <a:t>8/2/2022</a:t>
+              <a:t>8/7/2022</a:t>
             </a:fld>
             <a:endParaRPr lang="en-US" dirty="0"/>
           </a:p>
@@ -660,7 +665,7 @@
           <a:p>
             <a:fld id="{EF79C8B7-B064-43AA-B85A-00C4D49D3391}" type="datetimeFigureOut">
               <a:rPr lang="en-US" smtClean="0"/>
-              <a:t>8/2/2022</a:t>
+              <a:t>8/7/2022</a:t>
             </a:fld>
             <a:endParaRPr lang="en-US" dirty="0"/>
           </a:p>
@@ -858,7 +863,7 @@
           <a:p>
             <a:fld id="{EF79C8B7-B064-43AA-B85A-00C4D49D3391}" type="datetimeFigureOut">
               <a:rPr lang="en-US" smtClean="0"/>
-              <a:t>8/2/2022</a:t>
+              <a:t>8/7/2022</a:t>
             </a:fld>
             <a:endParaRPr lang="en-US" dirty="0"/>
           </a:p>
@@ -1133,7 +1138,7 @@
           <a:p>
             <a:fld id="{EF79C8B7-B064-43AA-B85A-00C4D49D3391}" type="datetimeFigureOut">
               <a:rPr lang="en-US" smtClean="0"/>
-              <a:t>8/2/2022</a:t>
+              <a:t>8/7/2022</a:t>
             </a:fld>
             <a:endParaRPr lang="en-US" dirty="0"/>
           </a:p>
@@ -1398,7 +1403,7 @@
           <a:p>
             <a:fld id="{EF79C8B7-B064-43AA-B85A-00C4D49D3391}" type="datetimeFigureOut">
               <a:rPr lang="en-US" smtClean="0"/>
-              <a:t>8/2/2022</a:t>
+              <a:t>8/7/2022</a:t>
             </a:fld>
             <a:endParaRPr lang="en-US" dirty="0"/>
           </a:p>
@@ -1810,7 +1815,7 @@
           <a:p>
             <a:fld id="{EF79C8B7-B064-43AA-B85A-00C4D49D3391}" type="datetimeFigureOut">
               <a:rPr lang="en-US" smtClean="0"/>
-              <a:t>8/2/2022</a:t>
+              <a:t>8/7/2022</a:t>
             </a:fld>
             <a:endParaRPr lang="en-US" dirty="0"/>
           </a:p>
@@ -1951,7 +1956,7 @@
           <a:p>
             <a:fld id="{EF79C8B7-B064-43AA-B85A-00C4D49D3391}" type="datetimeFigureOut">
               <a:rPr lang="en-US" smtClean="0"/>
-              <a:t>8/2/2022</a:t>
+              <a:t>8/7/2022</a:t>
             </a:fld>
             <a:endParaRPr lang="en-US" dirty="0"/>
           </a:p>
@@ -2064,7 +2069,7 @@
           <a:p>
             <a:fld id="{EF79C8B7-B064-43AA-B85A-00C4D49D3391}" type="datetimeFigureOut">
               <a:rPr lang="en-US" smtClean="0"/>
-              <a:t>8/2/2022</a:t>
+              <a:t>8/7/2022</a:t>
             </a:fld>
             <a:endParaRPr lang="en-US" dirty="0"/>
           </a:p>
@@ -2375,7 +2380,7 @@
           <a:p>
             <a:fld id="{EF79C8B7-B064-43AA-B85A-00C4D49D3391}" type="datetimeFigureOut">
               <a:rPr lang="en-US" smtClean="0"/>
-              <a:t>8/2/2022</a:t>
+              <a:t>8/7/2022</a:t>
             </a:fld>
             <a:endParaRPr lang="en-US" dirty="0"/>
           </a:p>
@@ -2663,7 +2668,7 @@
           <a:p>
             <a:fld id="{EF79C8B7-B064-43AA-B85A-00C4D49D3391}" type="datetimeFigureOut">
               <a:rPr lang="en-US" smtClean="0"/>
-              <a:t>8/2/2022</a:t>
+              <a:t>8/7/2022</a:t>
             </a:fld>
             <a:endParaRPr lang="en-US" dirty="0"/>
           </a:p>
@@ -2904,7 +2909,7 @@
           <a:p>
             <a:fld id="{EF79C8B7-B064-43AA-B85A-00C4D49D3391}" type="datetimeFigureOut">
               <a:rPr lang="en-US" smtClean="0"/>
-              <a:t>8/2/2022</a:t>
+              <a:t>8/7/2022</a:t>
             </a:fld>
             <a:endParaRPr lang="en-US" dirty="0"/>
           </a:p>
@@ -4301,10 +4306,9 @@
           <a:lstStyle/>
           <a:p>
             <a:r>
-              <a:rPr lang="en-US" sz="1200" i="1" dirty="0" err="1"/>
+              <a:rPr lang="en-US" sz="1200" i="1" dirty="0"/>
               <a:t>list_head</a:t>
             </a:r>
-            <a:endParaRPr lang="en-US" sz="1200" i="1" dirty="0"/>
           </a:p>
         </p:txBody>
       </p:sp>
@@ -4337,10 +4341,9 @@
           <a:lstStyle/>
           <a:p>
             <a:r>
-              <a:rPr lang="en-US" sz="1200" i="1" dirty="0" err="1"/>
+              <a:rPr lang="en-US" sz="1200" i="1" dirty="0"/>
               <a:t>list_tail</a:t>
             </a:r>
-            <a:endParaRPr lang="en-US" sz="1200" i="1" dirty="0"/>
           </a:p>
         </p:txBody>
       </p:sp>
@@ -4872,10 +4875,9 @@
           <a:lstStyle/>
           <a:p>
             <a:r>
-              <a:rPr lang="en-US" sz="1200" i="1" dirty="0" err="1"/>
+              <a:rPr lang="en-US" sz="1200" i="1" dirty="0"/>
               <a:t>list_head</a:t>
             </a:r>
-            <a:endParaRPr lang="en-US" sz="1200" i="1" dirty="0"/>
           </a:p>
         </p:txBody>
       </p:sp>
@@ -4961,10 +4963,9 @@
           <a:lstStyle/>
           <a:p>
             <a:r>
-              <a:rPr lang="en-US" sz="1200" i="1" dirty="0" err="1"/>
+              <a:rPr lang="en-US" sz="1200" i="1" dirty="0"/>
               <a:t>list_tail</a:t>
             </a:r>
-            <a:endParaRPr lang="en-US" sz="1200" i="1" dirty="0"/>
           </a:p>
         </p:txBody>
       </p:sp>
